--- a/Presentations/Group-112_SoLiD-in-WoT_Final-Presentation.pptx
+++ b/Presentations/Group-112_SoLiD-in-WoT_Final-Presentation.pptx
@@ -5,10 +5,10 @@
     <p:sldMasterId id="2147483660" r:id="rId1"/>
   </p:sldMasterIdLst>
   <p:notesMasterIdLst>
-    <p:notesMasterId r:id="rId37"/>
+    <p:notesMasterId r:id="rId38"/>
   </p:notesMasterIdLst>
   <p:handoutMasterIdLst>
-    <p:handoutMasterId r:id="rId38"/>
+    <p:handoutMasterId r:id="rId39"/>
   </p:handoutMasterIdLst>
   <p:sldIdLst>
     <p:sldId id="256" r:id="rId2"/>
@@ -41,11 +41,12 @@
     <p:sldId id="286" r:id="rId29"/>
     <p:sldId id="272" r:id="rId30"/>
     <p:sldId id="290" r:id="rId31"/>
-    <p:sldId id="289" r:id="rId32"/>
-    <p:sldId id="305" r:id="rId33"/>
-    <p:sldId id="274" r:id="rId34"/>
-    <p:sldId id="275" r:id="rId35"/>
-    <p:sldId id="276" r:id="rId36"/>
+    <p:sldId id="307" r:id="rId32"/>
+    <p:sldId id="289" r:id="rId33"/>
+    <p:sldId id="305" r:id="rId34"/>
+    <p:sldId id="274" r:id="rId35"/>
+    <p:sldId id="275" r:id="rId36"/>
+    <p:sldId id="276" r:id="rId37"/>
   </p:sldIdLst>
   <p:sldSz cx="12192000" cy="6858000"/>
   <p:notesSz cx="6858000" cy="9144000"/>
@@ -383,7 +384,7 @@
           <a:p>
             <a:fld id="{F4DB77AE-34C1-4332-8366-7B383B8F8D36}" type="datetimeFigureOut">
               <a:rPr lang="en-US" smtClean="0"/>
-              <a:t>6/2/2019</a:t>
+              <a:t>6/27/2019</a:t>
             </a:fld>
             <a:endParaRPr lang="en-US"/>
           </a:p>
@@ -27715,6 +27716,1600 @@
           <a:chExt cx="0" cy="0"/>
         </a:xfrm>
       </p:grpSpPr>
+      <p:grpSp>
+        <p:nvGrpSpPr>
+          <p:cNvPr id="27" name="Group 26">
+            <a:extLst>
+              <a:ext uri="{FF2B5EF4-FFF2-40B4-BE49-F238E27FC236}">
+                <a16:creationId xmlns:a16="http://schemas.microsoft.com/office/drawing/2014/main" id="{84D7B3C3-190D-4BFB-B4A2-0F5140F318CD}"/>
+              </a:ext>
+            </a:extLst>
+          </p:cNvPr>
+          <p:cNvGrpSpPr/>
+          <p:nvPr/>
+        </p:nvGrpSpPr>
+        <p:grpSpPr>
+          <a:xfrm>
+            <a:off x="1514475" y="561975"/>
+            <a:ext cx="7572376" cy="4935877"/>
+            <a:chOff x="1514475" y="561975"/>
+            <a:chExt cx="7572376" cy="4935877"/>
+          </a:xfrm>
+        </p:grpSpPr>
+        <p:grpSp>
+          <p:nvGrpSpPr>
+            <p:cNvPr id="1084" name="Group 1083">
+              <a:extLst>
+                <a:ext uri="{FF2B5EF4-FFF2-40B4-BE49-F238E27FC236}">
+                  <a16:creationId xmlns:a16="http://schemas.microsoft.com/office/drawing/2014/main" id="{1E0AC3E3-3CB5-430B-8512-0CBAD40D4922}"/>
+                </a:ext>
+              </a:extLst>
+            </p:cNvPr>
+            <p:cNvGrpSpPr/>
+            <p:nvPr/>
+          </p:nvGrpSpPr>
+          <p:grpSpPr>
+            <a:xfrm>
+              <a:off x="1514475" y="561975"/>
+              <a:ext cx="7572376" cy="4935877"/>
+              <a:chOff x="1514475" y="561975"/>
+              <a:chExt cx="7572376" cy="4935877"/>
+            </a:xfrm>
+          </p:grpSpPr>
+          <p:sp>
+            <p:nvSpPr>
+              <p:cNvPr id="129" name="Rectangle 128">
+                <a:extLst>
+                  <a:ext uri="{FF2B5EF4-FFF2-40B4-BE49-F238E27FC236}">
+                    <a16:creationId xmlns:a16="http://schemas.microsoft.com/office/drawing/2014/main" id="{F63A5915-C03A-4486-BCDB-39B2E3098AEE}"/>
+                  </a:ext>
+                </a:extLst>
+              </p:cNvPr>
+              <p:cNvSpPr/>
+              <p:nvPr/>
+            </p:nvSpPr>
+            <p:spPr>
+              <a:xfrm>
+                <a:off x="1514475" y="561975"/>
+                <a:ext cx="7572376" cy="4935877"/>
+              </a:xfrm>
+              <a:prstGeom prst="rect">
+                <a:avLst/>
+              </a:prstGeom>
+              <a:noFill/>
+              <a:ln>
+                <a:noFill/>
+              </a:ln>
+            </p:spPr>
+            <p:style>
+              <a:lnRef idx="0">
+                <a:scrgbClr r="0" g="0" b="0"/>
+              </a:lnRef>
+              <a:fillRef idx="0">
+                <a:scrgbClr r="0" g="0" b="0"/>
+              </a:fillRef>
+              <a:effectRef idx="0">
+                <a:scrgbClr r="0" g="0" b="0"/>
+              </a:effectRef>
+              <a:fontRef idx="minor">
+                <a:schemeClr val="dk1"/>
+              </a:fontRef>
+            </p:style>
+            <p:txBody>
+              <a:bodyPr rot="0" spcFirstLastPara="0" vert="horz" wrap="square" lIns="91440" tIns="45720" rIns="91440" bIns="45720" numCol="1" spcCol="0" rtlCol="0" fromWordArt="0" anchor="ctr" anchorCtr="0" forceAA="0" compatLnSpc="1">
+                <a:prstTxWarp prst="textNoShape">
+                  <a:avLst/>
+                </a:prstTxWarp>
+                <a:noAutofit/>
+              </a:bodyPr>
+              <a:lstStyle/>
+              <a:p>
+                <a:endParaRPr lang="en-US" dirty="0"/>
+              </a:p>
+            </p:txBody>
+          </p:sp>
+          <p:grpSp>
+            <p:nvGrpSpPr>
+              <p:cNvPr id="1083" name="Group 1082">
+                <a:extLst>
+                  <a:ext uri="{FF2B5EF4-FFF2-40B4-BE49-F238E27FC236}">
+                    <a16:creationId xmlns:a16="http://schemas.microsoft.com/office/drawing/2014/main" id="{7F3E96BF-332B-45FD-BBE5-36892AD4AACC}"/>
+                  </a:ext>
+                </a:extLst>
+              </p:cNvPr>
+              <p:cNvGrpSpPr/>
+              <p:nvPr/>
+            </p:nvGrpSpPr>
+            <p:grpSpPr>
+              <a:xfrm>
+                <a:off x="1951673" y="1018966"/>
+                <a:ext cx="6290110" cy="4347300"/>
+                <a:chOff x="1951673" y="1018966"/>
+                <a:chExt cx="6290110" cy="4347300"/>
+              </a:xfrm>
+            </p:grpSpPr>
+            <p:grpSp>
+              <p:nvGrpSpPr>
+                <p:cNvPr id="1068" name="Group 1067">
+                  <a:extLst>
+                    <a:ext uri="{FF2B5EF4-FFF2-40B4-BE49-F238E27FC236}">
+                      <a16:creationId xmlns:a16="http://schemas.microsoft.com/office/drawing/2014/main" id="{121ECE8C-8443-468A-A581-3542612A0F4B}"/>
+                    </a:ext>
+                  </a:extLst>
+                </p:cNvPr>
+                <p:cNvGrpSpPr/>
+                <p:nvPr/>
+              </p:nvGrpSpPr>
+              <p:grpSpPr>
+                <a:xfrm>
+                  <a:off x="1951673" y="1018966"/>
+                  <a:ext cx="6290110" cy="4347300"/>
+                  <a:chOff x="1951673" y="1018966"/>
+                  <a:chExt cx="6290110" cy="4347300"/>
+                </a:xfrm>
+              </p:grpSpPr>
+              <p:grpSp>
+                <p:nvGrpSpPr>
+                  <p:cNvPr id="1064" name="Group 1063">
+                    <a:extLst>
+                      <a:ext uri="{FF2B5EF4-FFF2-40B4-BE49-F238E27FC236}">
+                        <a16:creationId xmlns:a16="http://schemas.microsoft.com/office/drawing/2014/main" id="{DA1F979E-5988-4732-92D6-A925C56CB9E8}"/>
+                      </a:ext>
+                    </a:extLst>
+                  </p:cNvPr>
+                  <p:cNvGrpSpPr/>
+                  <p:nvPr/>
+                </p:nvGrpSpPr>
+                <p:grpSpPr>
+                  <a:xfrm>
+                    <a:off x="2956600" y="1018966"/>
+                    <a:ext cx="5285183" cy="3981659"/>
+                    <a:chOff x="2947075" y="1018966"/>
+                    <a:chExt cx="5285183" cy="3981659"/>
+                  </a:xfrm>
+                </p:grpSpPr>
+                <p:sp>
+                  <p:nvSpPr>
+                    <p:cNvPr id="98" name="Rectangle 97">
+                      <a:extLst>
+                        <a:ext uri="{FF2B5EF4-FFF2-40B4-BE49-F238E27FC236}">
+                          <a16:creationId xmlns:a16="http://schemas.microsoft.com/office/drawing/2014/main" id="{DB20951D-F900-4588-83BC-15F7A6D969CC}"/>
+                        </a:ext>
+                      </a:extLst>
+                    </p:cNvPr>
+                    <p:cNvSpPr/>
+                    <p:nvPr/>
+                  </p:nvSpPr>
+                  <p:spPr>
+                    <a:xfrm>
+                      <a:off x="3467099" y="1018966"/>
+                      <a:ext cx="4765159" cy="3981659"/>
+                    </a:xfrm>
+                    <a:prstGeom prst="rect">
+                      <a:avLst/>
+                    </a:prstGeom>
+                    <a:ln w="3175"/>
+                  </p:spPr>
+                  <p:style>
+                    <a:lnRef idx="2">
+                      <a:schemeClr val="accent3"/>
+                    </a:lnRef>
+                    <a:fillRef idx="1">
+                      <a:schemeClr val="lt1"/>
+                    </a:fillRef>
+                    <a:effectRef idx="0">
+                      <a:schemeClr val="accent3"/>
+                    </a:effectRef>
+                    <a:fontRef idx="minor">
+                      <a:schemeClr val="dk1"/>
+                    </a:fontRef>
+                  </p:style>
+                  <p:txBody>
+                    <a:bodyPr rot="0" spcFirstLastPara="0" vert="horz" wrap="square" lIns="91440" tIns="45720" rIns="91440" bIns="45720" numCol="1" spcCol="0" rtlCol="0" fromWordArt="0" anchor="ctr" anchorCtr="0" forceAA="0" compatLnSpc="1">
+                      <a:prstTxWarp prst="textNoShape">
+                        <a:avLst/>
+                      </a:prstTxWarp>
+                      <a:noAutofit/>
+                    </a:bodyPr>
+                    <a:lstStyle/>
+                    <a:p>
+                      <a:endParaRPr lang="en-US" dirty="0"/>
+                    </a:p>
+                  </p:txBody>
+                </p:sp>
+                <p:sp>
+                  <p:nvSpPr>
+                    <p:cNvPr id="4" name="Rectangle 3">
+                      <a:extLst>
+                        <a:ext uri="{FF2B5EF4-FFF2-40B4-BE49-F238E27FC236}">
+                          <a16:creationId xmlns:a16="http://schemas.microsoft.com/office/drawing/2014/main" id="{AAF57AC1-1360-4584-BBDF-2508642D3120}"/>
+                        </a:ext>
+                      </a:extLst>
+                    </p:cNvPr>
+                    <p:cNvSpPr/>
+                    <p:nvPr/>
+                  </p:nvSpPr>
+                  <p:spPr>
+                    <a:xfrm>
+                      <a:off x="3718673" y="1247776"/>
+                      <a:ext cx="3273947" cy="3524250"/>
+                    </a:xfrm>
+                    <a:prstGeom prst="rect">
+                      <a:avLst/>
+                    </a:prstGeom>
+                    <a:solidFill>
+                      <a:schemeClr val="accent5">
+                        <a:lumMod val="40000"/>
+                        <a:lumOff val="60000"/>
+                      </a:schemeClr>
+                    </a:solidFill>
+                    <a:ln w="3175">
+                      <a:solidFill>
+                        <a:schemeClr val="accent5">
+                          <a:lumMod val="60000"/>
+                          <a:lumOff val="40000"/>
+                        </a:schemeClr>
+                      </a:solidFill>
+                    </a:ln>
+                  </p:spPr>
+                  <p:style>
+                    <a:lnRef idx="2">
+                      <a:schemeClr val="accent1">
+                        <a:shade val="50000"/>
+                      </a:schemeClr>
+                    </a:lnRef>
+                    <a:fillRef idx="1">
+                      <a:schemeClr val="accent1"/>
+                    </a:fillRef>
+                    <a:effectRef idx="0">
+                      <a:schemeClr val="accent1"/>
+                    </a:effectRef>
+                    <a:fontRef idx="minor">
+                      <a:schemeClr val="lt1"/>
+                    </a:fontRef>
+                  </p:style>
+                  <p:txBody>
+                    <a:bodyPr rot="0" spcFirstLastPara="0" vert="horz" wrap="square" lIns="91440" tIns="45720" rIns="91440" bIns="45720" numCol="1" spcCol="0" rtlCol="0" fromWordArt="0" anchor="ctr" anchorCtr="0" forceAA="0" compatLnSpc="1">
+                      <a:prstTxWarp prst="textNoShape">
+                        <a:avLst/>
+                      </a:prstTxWarp>
+                      <a:noAutofit/>
+                    </a:bodyPr>
+                    <a:lstStyle/>
+                    <a:p>
+                      <a:endParaRPr lang="en-US" dirty="0"/>
+                    </a:p>
+                  </p:txBody>
+                </p:sp>
+                <p:sp>
+                  <p:nvSpPr>
+                    <p:cNvPr id="5" name="Rectangle 4">
+                      <a:extLst>
+                        <a:ext uri="{FF2B5EF4-FFF2-40B4-BE49-F238E27FC236}">
+                          <a16:creationId xmlns:a16="http://schemas.microsoft.com/office/drawing/2014/main" id="{24CE922E-A116-419C-9112-7481E2A52436}"/>
+                        </a:ext>
+                      </a:extLst>
+                    </p:cNvPr>
+                    <p:cNvSpPr/>
+                    <p:nvPr/>
+                  </p:nvSpPr>
+                  <p:spPr>
+                    <a:xfrm>
+                      <a:off x="3940694" y="3982719"/>
+                      <a:ext cx="2829903" cy="562293"/>
+                    </a:xfrm>
+                    <a:prstGeom prst="rect">
+                      <a:avLst/>
+                    </a:prstGeom>
+                    <a:ln w="12700"/>
+                  </p:spPr>
+                  <p:style>
+                    <a:lnRef idx="2">
+                      <a:schemeClr val="accent6">
+                        <a:shade val="50000"/>
+                      </a:schemeClr>
+                    </a:lnRef>
+                    <a:fillRef idx="1">
+                      <a:schemeClr val="accent6"/>
+                    </a:fillRef>
+                    <a:effectRef idx="0">
+                      <a:schemeClr val="accent6"/>
+                    </a:effectRef>
+                    <a:fontRef idx="minor">
+                      <a:schemeClr val="lt1"/>
+                    </a:fontRef>
+                  </p:style>
+                  <p:txBody>
+                    <a:bodyPr rot="0" spcFirstLastPara="0" vert="horz" wrap="square" lIns="91440" tIns="45720" rIns="91440" bIns="45720" numCol="1" spcCol="0" rtlCol="0" fromWordArt="0" anchor="ctr" anchorCtr="0" forceAA="0" compatLnSpc="1">
+                      <a:prstTxWarp prst="textNoShape">
+                        <a:avLst/>
+                      </a:prstTxWarp>
+                      <a:noAutofit/>
+                    </a:bodyPr>
+                    <a:lstStyle/>
+                    <a:p>
+                      <a:pPr marL="0" marR="0" algn="ctr">
+                        <a:lnSpc>
+                          <a:spcPct val="107000"/>
+                        </a:lnSpc>
+                        <a:spcBef>
+                          <a:spcPts val="0"/>
+                        </a:spcBef>
+                        <a:spcAft>
+                          <a:spcPts val="800"/>
+                        </a:spcAft>
+                      </a:pPr>
+                      <a:r>
+                        <a:rPr lang="de-DE" b="1" dirty="0">
+                          <a:effectLst/>
+                          <a:latin typeface="Consolas" panose="020B0609020204030204" pitchFamily="49" charset="0"/>
+                          <a:ea typeface="Calibri" panose="020F0502020204030204" pitchFamily="34" charset="0"/>
+                          <a:cs typeface="Vrinda" panose="020B0502040204020203" pitchFamily="34" charset="0"/>
+                        </a:rPr>
+                        <a:t>CONTROLLER-MODULE</a:t>
+                      </a:r>
+                      <a:endParaRPr lang="en-US" sz="1200" dirty="0">
+                        <a:effectLst/>
+                        <a:ea typeface="Calibri" panose="020F0502020204030204" pitchFamily="34" charset="0"/>
+                        <a:cs typeface="Vrinda" panose="020B0502040204020203" pitchFamily="34" charset="0"/>
+                      </a:endParaRPr>
+                    </a:p>
+                  </p:txBody>
+                </p:sp>
+                <p:sp>
+                  <p:nvSpPr>
+                    <p:cNvPr id="6" name="Flowchart: Manual Input 5">
+                      <a:extLst>
+                        <a:ext uri="{FF2B5EF4-FFF2-40B4-BE49-F238E27FC236}">
+                          <a16:creationId xmlns:a16="http://schemas.microsoft.com/office/drawing/2014/main" id="{459188CB-1DFC-41DA-A1A1-488C66F78FEB}"/>
+                        </a:ext>
+                      </a:extLst>
+                    </p:cNvPr>
+                    <p:cNvSpPr/>
+                    <p:nvPr/>
+                  </p:nvSpPr>
+                  <p:spPr>
+                    <a:xfrm>
+                      <a:off x="3940694" y="1915795"/>
+                      <a:ext cx="2829903" cy="1782445"/>
+                    </a:xfrm>
+                    <a:prstGeom prst="flowChartManualInput">
+                      <a:avLst/>
+                    </a:prstGeom>
+                    <a:ln w="12700"/>
+                  </p:spPr>
+                  <p:style>
+                    <a:lnRef idx="2">
+                      <a:schemeClr val="accent5">
+                        <a:shade val="50000"/>
+                      </a:schemeClr>
+                    </a:lnRef>
+                    <a:fillRef idx="1">
+                      <a:schemeClr val="accent5"/>
+                    </a:fillRef>
+                    <a:effectRef idx="0">
+                      <a:schemeClr val="accent5"/>
+                    </a:effectRef>
+                    <a:fontRef idx="minor">
+                      <a:schemeClr val="lt1"/>
+                    </a:fontRef>
+                  </p:style>
+                  <p:txBody>
+                    <a:bodyPr rot="0" spcFirstLastPara="0" vert="horz" wrap="square" lIns="91440" tIns="45720" rIns="91440" bIns="45720" numCol="1" spcCol="0" rtlCol="0" fromWordArt="0" anchor="ctr" anchorCtr="0" forceAA="0" compatLnSpc="1">
+                      <a:prstTxWarp prst="textNoShape">
+                        <a:avLst/>
+                      </a:prstTxWarp>
+                      <a:noAutofit/>
+                    </a:bodyPr>
+                    <a:lstStyle/>
+                    <a:p>
+                      <a:endParaRPr lang="en-US" dirty="0"/>
+                    </a:p>
+                  </p:txBody>
+                </p:sp>
+                <p:sp>
+                  <p:nvSpPr>
+                    <p:cNvPr id="7" name="Rectangle: Folded Corner 6">
+                      <a:extLst>
+                        <a:ext uri="{FF2B5EF4-FFF2-40B4-BE49-F238E27FC236}">
+                          <a16:creationId xmlns:a16="http://schemas.microsoft.com/office/drawing/2014/main" id="{5A0F8D94-B8B9-4A20-950E-A9666D2C41D3}"/>
+                        </a:ext>
+                      </a:extLst>
+                    </p:cNvPr>
+                    <p:cNvSpPr/>
+                    <p:nvPr/>
+                  </p:nvSpPr>
+                  <p:spPr>
+                    <a:xfrm>
+                      <a:off x="4836160" y="2453481"/>
+                      <a:ext cx="1827646" cy="310515"/>
+                    </a:xfrm>
+                    <a:prstGeom prst="foldedCorner">
+                      <a:avLst/>
+                    </a:prstGeom>
+                    <a:ln w="12700"/>
+                  </p:spPr>
+                  <p:style>
+                    <a:lnRef idx="2">
+                      <a:schemeClr val="dk1"/>
+                    </a:lnRef>
+                    <a:fillRef idx="1">
+                      <a:schemeClr val="lt1"/>
+                    </a:fillRef>
+                    <a:effectRef idx="0">
+                      <a:schemeClr val="dk1"/>
+                    </a:effectRef>
+                    <a:fontRef idx="minor">
+                      <a:schemeClr val="dk1"/>
+                    </a:fontRef>
+                  </p:style>
+                  <p:txBody>
+                    <a:bodyPr rot="0" spcFirstLastPara="0" vert="horz" wrap="square" lIns="91440" tIns="45720" rIns="91440" bIns="45720" numCol="1" spcCol="0" rtlCol="0" fromWordArt="0" anchor="ctr" anchorCtr="0" forceAA="0" compatLnSpc="1">
+                      <a:prstTxWarp prst="textNoShape">
+                        <a:avLst/>
+                      </a:prstTxWarp>
+                      <a:noAutofit/>
+                    </a:bodyPr>
+                    <a:lstStyle/>
+                    <a:p>
+                      <a:pPr marL="0" marR="0">
+                        <a:lnSpc>
+                          <a:spcPct val="107000"/>
+                        </a:lnSpc>
+                        <a:spcBef>
+                          <a:spcPts val="0"/>
+                        </a:spcBef>
+                        <a:spcAft>
+                          <a:spcPts val="800"/>
+                        </a:spcAft>
+                      </a:pPr>
+                      <a:r>
+                        <a:rPr lang="de-DE" sz="1200" b="1" dirty="0" err="1">
+                          <a:effectLst/>
+                          <a:latin typeface="Consolas" panose="020B0609020204030204" pitchFamily="49" charset="0"/>
+                          <a:ea typeface="Calibri" panose="020F0502020204030204" pitchFamily="34" charset="0"/>
+                          <a:cs typeface="Vrinda" panose="020B0502040204020203" pitchFamily="34" charset="0"/>
+                        </a:rPr>
+                        <a:t>device.ttl</a:t>
+                      </a:r>
+                      <a:endParaRPr lang="en-US" sz="1050" dirty="0">
+                        <a:effectLst/>
+                        <a:latin typeface="Consolas" panose="020B0609020204030204" pitchFamily="49" charset="0"/>
+                        <a:ea typeface="Calibri" panose="020F0502020204030204" pitchFamily="34" charset="0"/>
+                        <a:cs typeface="Vrinda" panose="020B0502040204020203" pitchFamily="34" charset="0"/>
+                      </a:endParaRPr>
+                    </a:p>
+                  </p:txBody>
+                </p:sp>
+                <p:sp>
+                  <p:nvSpPr>
+                    <p:cNvPr id="8" name="Rectangle: Folded Corner 7">
+                      <a:extLst>
+                        <a:ext uri="{FF2B5EF4-FFF2-40B4-BE49-F238E27FC236}">
+                          <a16:creationId xmlns:a16="http://schemas.microsoft.com/office/drawing/2014/main" id="{4C46BA01-90C0-4131-97D2-4BABA55FD2DB}"/>
+                        </a:ext>
+                      </a:extLst>
+                    </p:cNvPr>
+                    <p:cNvSpPr/>
+                    <p:nvPr/>
+                  </p:nvSpPr>
+                  <p:spPr>
+                    <a:xfrm>
+                      <a:off x="4835007" y="2837338"/>
+                      <a:ext cx="1828799" cy="310515"/>
+                    </a:xfrm>
+                    <a:prstGeom prst="foldedCorner">
+                      <a:avLst/>
+                    </a:prstGeom>
+                    <a:ln w="12700"/>
+                  </p:spPr>
+                  <p:style>
+                    <a:lnRef idx="2">
+                      <a:schemeClr val="dk1"/>
+                    </a:lnRef>
+                    <a:fillRef idx="1">
+                      <a:schemeClr val="lt1"/>
+                    </a:fillRef>
+                    <a:effectRef idx="0">
+                      <a:schemeClr val="dk1"/>
+                    </a:effectRef>
+                    <a:fontRef idx="minor">
+                      <a:schemeClr val="dk1"/>
+                    </a:fontRef>
+                  </p:style>
+                  <p:txBody>
+                    <a:bodyPr rot="0" spcFirstLastPara="0" vert="horz" wrap="square" lIns="91440" tIns="45720" rIns="91440" bIns="45720" numCol="1" spcCol="0" rtlCol="0" fromWordArt="0" anchor="ctr" anchorCtr="0" forceAA="0" compatLnSpc="1">
+                      <a:prstTxWarp prst="textNoShape">
+                        <a:avLst/>
+                      </a:prstTxWarp>
+                      <a:noAutofit/>
+                    </a:bodyPr>
+                    <a:lstStyle/>
+                    <a:p>
+                      <a:pPr marL="0" marR="0">
+                        <a:lnSpc>
+                          <a:spcPct val="107000"/>
+                        </a:lnSpc>
+                        <a:spcBef>
+                          <a:spcPts val="0"/>
+                        </a:spcBef>
+                        <a:spcAft>
+                          <a:spcPts val="800"/>
+                        </a:spcAft>
+                      </a:pPr>
+                      <a:r>
+                        <a:rPr lang="de-DE" sz="1200" b="1" dirty="0" err="1">
+                          <a:effectLst/>
+                          <a:latin typeface="Consolas" panose="020B0609020204030204" pitchFamily="49" charset="0"/>
+                          <a:ea typeface="Calibri" panose="020F0502020204030204" pitchFamily="34" charset="0"/>
+                          <a:cs typeface="Vrinda" panose="020B0502040204020203" pitchFamily="34" charset="0"/>
+                        </a:rPr>
+                        <a:t>device-data.ttl</a:t>
+                      </a:r>
+                      <a:endParaRPr lang="en-US" sz="1050" dirty="0">
+                        <a:effectLst/>
+                        <a:latin typeface="Consolas" panose="020B0609020204030204" pitchFamily="49" charset="0"/>
+                        <a:ea typeface="Calibri" panose="020F0502020204030204" pitchFamily="34" charset="0"/>
+                        <a:cs typeface="Vrinda" panose="020B0502040204020203" pitchFamily="34" charset="0"/>
+                      </a:endParaRPr>
+                    </a:p>
+                  </p:txBody>
+                </p:sp>
+                <p:sp>
+                  <p:nvSpPr>
+                    <p:cNvPr id="9" name="Rectangle: Folded Corner 8">
+                      <a:extLst>
+                        <a:ext uri="{FF2B5EF4-FFF2-40B4-BE49-F238E27FC236}">
+                          <a16:creationId xmlns:a16="http://schemas.microsoft.com/office/drawing/2014/main" id="{8F11CD37-AB1A-4290-BD95-15CE4D12837E}"/>
+                        </a:ext>
+                      </a:extLst>
+                    </p:cNvPr>
+                    <p:cNvSpPr/>
+                    <p:nvPr/>
+                  </p:nvSpPr>
+                  <p:spPr>
+                    <a:xfrm>
+                      <a:off x="4836160" y="3215669"/>
+                      <a:ext cx="1828800" cy="310515"/>
+                    </a:xfrm>
+                    <a:prstGeom prst="foldedCorner">
+                      <a:avLst/>
+                    </a:prstGeom>
+                    <a:ln w="12700"/>
+                  </p:spPr>
+                  <p:style>
+                    <a:lnRef idx="2">
+                      <a:schemeClr val="dk1"/>
+                    </a:lnRef>
+                    <a:fillRef idx="1">
+                      <a:schemeClr val="lt1"/>
+                    </a:fillRef>
+                    <a:effectRef idx="0">
+                      <a:schemeClr val="dk1"/>
+                    </a:effectRef>
+                    <a:fontRef idx="minor">
+                      <a:schemeClr val="dk1"/>
+                    </a:fontRef>
+                  </p:style>
+                  <p:txBody>
+                    <a:bodyPr rot="0" spcFirstLastPara="0" vert="horz" wrap="square" lIns="91440" tIns="45720" rIns="91440" bIns="45720" numCol="1" spcCol="0" rtlCol="0" fromWordArt="0" anchor="ctr" anchorCtr="0" forceAA="0" compatLnSpc="1">
+                      <a:prstTxWarp prst="textNoShape">
+                        <a:avLst/>
+                      </a:prstTxWarp>
+                      <a:noAutofit/>
+                    </a:bodyPr>
+                    <a:lstStyle/>
+                    <a:p>
+                      <a:pPr marL="0" marR="0">
+                        <a:lnSpc>
+                          <a:spcPct val="107000"/>
+                        </a:lnSpc>
+                        <a:spcBef>
+                          <a:spcPts val="0"/>
+                        </a:spcBef>
+                        <a:spcAft>
+                          <a:spcPts val="800"/>
+                        </a:spcAft>
+                      </a:pPr>
+                      <a:r>
+                        <a:rPr lang="de-DE" sz="1200" b="1" dirty="0" err="1">
+                          <a:effectLst/>
+                          <a:latin typeface="Consolas" panose="020B0609020204030204" pitchFamily="49" charset="0"/>
+                          <a:ea typeface="Calibri" panose="020F0502020204030204" pitchFamily="34" charset="0"/>
+                          <a:cs typeface="Vrinda" panose="020B0502040204020203" pitchFamily="34" charset="0"/>
+                        </a:rPr>
+                        <a:t>device-control.ttl</a:t>
+                      </a:r>
+                      <a:endParaRPr lang="en-US" sz="1200" b="1" dirty="0">
+                        <a:effectLst/>
+                        <a:latin typeface="Consolas" panose="020B0609020204030204" pitchFamily="49" charset="0"/>
+                        <a:ea typeface="Calibri" panose="020F0502020204030204" pitchFamily="34" charset="0"/>
+                        <a:cs typeface="Vrinda" panose="020B0502040204020203" pitchFamily="34" charset="0"/>
+                      </a:endParaRPr>
+                    </a:p>
+                  </p:txBody>
+                </p:sp>
+                <p:sp>
+                  <p:nvSpPr>
+                    <p:cNvPr id="16" name="Text Box 2">
+                      <a:extLst>
+                        <a:ext uri="{FF2B5EF4-FFF2-40B4-BE49-F238E27FC236}">
+                          <a16:creationId xmlns:a16="http://schemas.microsoft.com/office/drawing/2014/main" id="{ACC7426D-6D47-432C-B7EC-1103D8177EAF}"/>
+                        </a:ext>
+                      </a:extLst>
+                    </p:cNvPr>
+                    <p:cNvSpPr txBox="1">
+                      <a:spLocks noChangeArrowheads="1"/>
+                    </p:cNvSpPr>
+                    <p:nvPr/>
+                  </p:nvSpPr>
+                  <p:spPr bwMode="auto">
+                    <a:xfrm>
+                      <a:off x="4021454" y="2553017"/>
+                      <a:ext cx="456565" cy="671512"/>
+                    </a:xfrm>
+                    <a:prstGeom prst="rect">
+                      <a:avLst/>
+                    </a:prstGeom>
+                    <a:noFill/>
+                    <a:ln>
+                      <a:noFill/>
+                    </a:ln>
+                  </p:spPr>
+                  <p:style>
+                    <a:lnRef idx="0">
+                      <a:scrgbClr r="0" g="0" b="0"/>
+                    </a:lnRef>
+                    <a:fillRef idx="0">
+                      <a:scrgbClr r="0" g="0" b="0"/>
+                    </a:fillRef>
+                    <a:effectRef idx="0">
+                      <a:scrgbClr r="0" g="0" b="0"/>
+                    </a:effectRef>
+                    <a:fontRef idx="minor">
+                      <a:schemeClr val="dk1"/>
+                    </a:fontRef>
+                  </p:style>
+                  <p:txBody>
+                    <a:bodyPr rot="0" vert="vert270" wrap="square" lIns="91440" tIns="45720" rIns="91440" bIns="45720" anchor="t" anchorCtr="0">
+                      <a:noAutofit/>
+                    </a:bodyPr>
+                    <a:lstStyle/>
+                    <a:p>
+                      <a:pPr marL="0" marR="0" algn="ctr">
+                        <a:lnSpc>
+                          <a:spcPct val="107000"/>
+                        </a:lnSpc>
+                        <a:spcBef>
+                          <a:spcPts val="0"/>
+                        </a:spcBef>
+                        <a:spcAft>
+                          <a:spcPts val="800"/>
+                        </a:spcAft>
+                      </a:pPr>
+                      <a:r>
+                        <a:rPr lang="en-US" sz="1600" b="1" dirty="0">
+                          <a:solidFill>
+                            <a:srgbClr val="FFFFFF"/>
+                          </a:solidFill>
+                          <a:effectLst/>
+                          <a:latin typeface="Consolas" panose="020B0609020204030204" pitchFamily="49" charset="0"/>
+                          <a:ea typeface="Calibri" panose="020F0502020204030204" pitchFamily="34" charset="0"/>
+                          <a:cs typeface="Vrinda" panose="020B0502040204020203" pitchFamily="34" charset="0"/>
+                        </a:rPr>
+                        <a:t>POD</a:t>
+                      </a:r>
+                      <a:endParaRPr lang="en-US" sz="1000" dirty="0">
+                        <a:effectLst/>
+                        <a:ea typeface="Calibri" panose="020F0502020204030204" pitchFamily="34" charset="0"/>
+                        <a:cs typeface="Vrinda" panose="020B0502040204020203" pitchFamily="34" charset="0"/>
+                      </a:endParaRPr>
+                    </a:p>
+                  </p:txBody>
+                </p:sp>
+                <p:sp>
+                  <p:nvSpPr>
+                    <p:cNvPr id="17" name="Text Box 2">
+                      <a:extLst>
+                        <a:ext uri="{FF2B5EF4-FFF2-40B4-BE49-F238E27FC236}">
+                          <a16:creationId xmlns:a16="http://schemas.microsoft.com/office/drawing/2014/main" id="{71E6A55C-509A-4B3D-9D36-FC6843425590}"/>
+                        </a:ext>
+                      </a:extLst>
+                    </p:cNvPr>
+                    <p:cNvSpPr txBox="1">
+                      <a:spLocks noChangeArrowheads="1"/>
+                    </p:cNvSpPr>
+                    <p:nvPr/>
+                  </p:nvSpPr>
+                  <p:spPr bwMode="auto">
+                    <a:xfrm>
+                      <a:off x="4249736" y="1449546"/>
+                      <a:ext cx="2284413" cy="370840"/>
+                    </a:xfrm>
+                    <a:prstGeom prst="rect">
+                      <a:avLst/>
+                    </a:prstGeom>
+                    <a:noFill/>
+                    <a:ln>
+                      <a:noFill/>
+                    </a:ln>
+                  </p:spPr>
+                  <p:style>
+                    <a:lnRef idx="0">
+                      <a:scrgbClr r="0" g="0" b="0"/>
+                    </a:lnRef>
+                    <a:fillRef idx="0">
+                      <a:scrgbClr r="0" g="0" b="0"/>
+                    </a:fillRef>
+                    <a:effectRef idx="0">
+                      <a:scrgbClr r="0" g="0" b="0"/>
+                    </a:effectRef>
+                    <a:fontRef idx="minor">
+                      <a:schemeClr val="dk1"/>
+                    </a:fontRef>
+                  </p:style>
+                  <p:txBody>
+                    <a:bodyPr rot="0" vert="horz" wrap="square" lIns="91440" tIns="45720" rIns="91440" bIns="45720" anchor="t" anchorCtr="0">
+                      <a:noAutofit/>
+                    </a:bodyPr>
+                    <a:lstStyle/>
+                    <a:p>
+                      <a:pPr marL="0" marR="0" algn="ctr">
+                        <a:lnSpc>
+                          <a:spcPct val="107000"/>
+                        </a:lnSpc>
+                        <a:spcBef>
+                          <a:spcPts val="0"/>
+                        </a:spcBef>
+                        <a:spcAft>
+                          <a:spcPts val="800"/>
+                        </a:spcAft>
+                      </a:pPr>
+                      <a:r>
+                        <a:rPr lang="en-US" sz="1600" b="1" dirty="0">
+                          <a:solidFill>
+                            <a:schemeClr val="accent5">
+                              <a:lumMod val="50000"/>
+                            </a:schemeClr>
+                          </a:solidFill>
+                          <a:effectLst/>
+                          <a:latin typeface="Consolas" panose="020B0609020204030204" pitchFamily="49" charset="0"/>
+                          <a:ea typeface="Calibri" panose="020F0502020204030204" pitchFamily="34" charset="0"/>
+                          <a:cs typeface="Vrinda" panose="020B0502040204020203" pitchFamily="34" charset="0"/>
+                        </a:rPr>
+                        <a:t>SoLiD-SERVER</a:t>
+                      </a:r>
+                      <a:endParaRPr lang="en-US" sz="900" dirty="0">
+                        <a:solidFill>
+                          <a:schemeClr val="accent5">
+                            <a:lumMod val="50000"/>
+                          </a:schemeClr>
+                        </a:solidFill>
+                        <a:effectLst/>
+                        <a:latin typeface="Consolas" panose="020B0609020204030204" pitchFamily="49" charset="0"/>
+                        <a:ea typeface="Calibri" panose="020F0502020204030204" pitchFamily="34" charset="0"/>
+                        <a:cs typeface="Vrinda" panose="020B0502040204020203" pitchFamily="34" charset="0"/>
+                      </a:endParaRPr>
+                    </a:p>
+                  </p:txBody>
+                </p:sp>
+                <p:cxnSp>
+                  <p:nvCxnSpPr>
+                    <p:cNvPr id="34" name="Straight Arrow Connector 33">
+                      <a:extLst>
+                        <a:ext uri="{FF2B5EF4-FFF2-40B4-BE49-F238E27FC236}">
+                          <a16:creationId xmlns:a16="http://schemas.microsoft.com/office/drawing/2014/main" id="{E33DF3C6-B384-419B-8D21-6BE4747EFBD8}"/>
+                        </a:ext>
+                      </a:extLst>
+                    </p:cNvPr>
+                    <p:cNvCxnSpPr>
+                      <a:cxnSpLocks/>
+                      <a:stCxn id="1045" idx="1"/>
+                      <a:endCxn id="5" idx="3"/>
+                    </p:cNvCxnSpPr>
+                    <p:nvPr/>
+                  </p:nvCxnSpPr>
+                  <p:spPr>
+                    <a:xfrm flipH="1">
+                      <a:off x="6770597" y="2948969"/>
+                      <a:ext cx="773433" cy="1314897"/>
+                    </a:xfrm>
+                    <a:prstGeom prst="straightConnector1">
+                      <a:avLst/>
+                    </a:prstGeom>
+                    <a:ln w="19050">
+                      <a:prstDash val="sysDash"/>
+                      <a:headEnd type="triangle"/>
+                      <a:tailEnd type="triangle"/>
+                    </a:ln>
+                    <a:effectLst/>
+                  </p:spPr>
+                  <p:style>
+                    <a:lnRef idx="2">
+                      <a:schemeClr val="accent6"/>
+                    </a:lnRef>
+                    <a:fillRef idx="0">
+                      <a:schemeClr val="accent6"/>
+                    </a:fillRef>
+                    <a:effectRef idx="1">
+                      <a:schemeClr val="accent6"/>
+                    </a:effectRef>
+                    <a:fontRef idx="minor">
+                      <a:schemeClr val="tx1"/>
+                    </a:fontRef>
+                  </p:style>
+                </p:cxnSp>
+                <p:pic>
+                  <p:nvPicPr>
+                    <p:cNvPr id="1030" name="Picture 6" descr="internet, iot, robot, things, wifi icon">
+                      <a:extLst>
+                        <a:ext uri="{FF2B5EF4-FFF2-40B4-BE49-F238E27FC236}">
+                          <a16:creationId xmlns:a16="http://schemas.microsoft.com/office/drawing/2014/main" id="{60AC4FD6-0689-4B9B-BBD3-6C9B6C22FD26}"/>
+                        </a:ext>
+                      </a:extLst>
+                    </p:cNvPr>
+                    <p:cNvPicPr>
+                      <a:picLocks noChangeAspect="1" noChangeArrowheads="1"/>
+                    </p:cNvPicPr>
+                    <p:nvPr/>
+                  </p:nvPicPr>
+                  <p:blipFill>
+                    <a:blip r:embed="rId2">
+                      <a:duotone>
+                        <a:schemeClr val="accent6">
+                          <a:shade val="45000"/>
+                          <a:satMod val="135000"/>
+                        </a:schemeClr>
+                        <a:prstClr val="white"/>
+                      </a:duotone>
+                      <a:extLst>
+                        <a:ext uri="{28A0092B-C50C-407E-A947-70E740481C1C}">
+                          <a14:useLocalDpi xmlns:a14="http://schemas.microsoft.com/office/drawing/2010/main" val="0"/>
+                        </a:ext>
+                      </a:extLst>
+                    </a:blip>
+                    <a:srcRect/>
+                    <a:stretch>
+                      <a:fillRect/>
+                    </a:stretch>
+                  </p:blipFill>
+                  <p:spPr bwMode="auto">
+                    <a:xfrm>
+                      <a:off x="7456285" y="3420250"/>
+                      <a:ext cx="548640" cy="548640"/>
+                    </a:xfrm>
+                    <a:prstGeom prst="rect">
+                      <a:avLst/>
+                    </a:prstGeom>
+                    <a:noFill/>
+                    <a:extLst>
+                      <a:ext uri="{909E8E84-426E-40DD-AFC4-6F175D3DCCD1}">
+                        <a14:hiddenFill xmlns:a14="http://schemas.microsoft.com/office/drawing/2010/main">
+                          <a:solidFill>
+                            <a:srgbClr val="FFFFFF"/>
+                          </a:solidFill>
+                        </a14:hiddenFill>
+                      </a:ext>
+                    </a:extLst>
+                  </p:spPr>
+                </p:pic>
+                <p:pic>
+                  <p:nvPicPr>
+                    <p:cNvPr id="1032" name="Picture 8" descr="internet, iot, refrigerator, things, wifi icon">
+                      <a:extLst>
+                        <a:ext uri="{FF2B5EF4-FFF2-40B4-BE49-F238E27FC236}">
+                          <a16:creationId xmlns:a16="http://schemas.microsoft.com/office/drawing/2014/main" id="{C3F7D3A1-DB28-43D0-9D5E-59CABD652EBF}"/>
+                        </a:ext>
+                      </a:extLst>
+                    </p:cNvPr>
+                    <p:cNvPicPr>
+                      <a:picLocks noChangeAspect="1" noChangeArrowheads="1"/>
+                    </p:cNvPicPr>
+                    <p:nvPr/>
+                  </p:nvPicPr>
+                  <p:blipFill>
+                    <a:blip r:embed="rId3">
+                      <a:duotone>
+                        <a:schemeClr val="accent6">
+                          <a:shade val="45000"/>
+                          <a:satMod val="135000"/>
+                        </a:schemeClr>
+                        <a:prstClr val="white"/>
+                      </a:duotone>
+                      <a:extLst>
+                        <a:ext uri="{28A0092B-C50C-407E-A947-70E740481C1C}">
+                          <a14:useLocalDpi xmlns:a14="http://schemas.microsoft.com/office/drawing/2010/main" val="0"/>
+                        </a:ext>
+                      </a:extLst>
+                    </a:blip>
+                    <a:srcRect/>
+                    <a:stretch>
+                      <a:fillRect/>
+                    </a:stretch>
+                  </p:blipFill>
+                  <p:spPr bwMode="auto">
+                    <a:xfrm>
+                      <a:off x="7488554" y="1360148"/>
+                      <a:ext cx="548640" cy="548640"/>
+                    </a:xfrm>
+                    <a:prstGeom prst="rect">
+                      <a:avLst/>
+                    </a:prstGeom>
+                    <a:noFill/>
+                    <a:extLst>
+                      <a:ext uri="{909E8E84-426E-40DD-AFC4-6F175D3DCCD1}">
+                        <a14:hiddenFill xmlns:a14="http://schemas.microsoft.com/office/drawing/2010/main">
+                          <a:solidFill>
+                            <a:srgbClr val="FFFFFF"/>
+                          </a:solidFill>
+                        </a14:hiddenFill>
+                      </a:ext>
+                    </a:extLst>
+                  </p:spPr>
+                </p:pic>
+                <p:pic>
+                  <p:nvPicPr>
+                    <p:cNvPr id="1034" name="Picture 10" descr="internet, iot, key, lock, wifi icon">
+                      <a:extLst>
+                        <a:ext uri="{FF2B5EF4-FFF2-40B4-BE49-F238E27FC236}">
+                          <a16:creationId xmlns:a16="http://schemas.microsoft.com/office/drawing/2014/main" id="{44BC859D-18D1-48B8-9FE5-E69BC09502BC}"/>
+                        </a:ext>
+                      </a:extLst>
+                    </p:cNvPr>
+                    <p:cNvPicPr>
+                      <a:picLocks noChangeAspect="1" noChangeArrowheads="1"/>
+                    </p:cNvPicPr>
+                    <p:nvPr/>
+                  </p:nvPicPr>
+                  <p:blipFill>
+                    <a:blip r:embed="rId4">
+                      <a:duotone>
+                        <a:schemeClr val="accent6">
+                          <a:shade val="45000"/>
+                          <a:satMod val="135000"/>
+                        </a:schemeClr>
+                        <a:prstClr val="white"/>
+                      </a:duotone>
+                      <a:extLst>
+                        <a:ext uri="{28A0092B-C50C-407E-A947-70E740481C1C}">
+                          <a14:useLocalDpi xmlns:a14="http://schemas.microsoft.com/office/drawing/2010/main" val="0"/>
+                        </a:ext>
+                      </a:extLst>
+                    </a:blip>
+                    <a:srcRect/>
+                    <a:stretch>
+                      <a:fillRect/>
+                    </a:stretch>
+                  </p:blipFill>
+                  <p:spPr bwMode="auto">
+                    <a:xfrm>
+                      <a:off x="7478395" y="4173471"/>
+                      <a:ext cx="457200" cy="457200"/>
+                    </a:xfrm>
+                    <a:prstGeom prst="rect">
+                      <a:avLst/>
+                    </a:prstGeom>
+                    <a:noFill/>
+                    <a:extLst>
+                      <a:ext uri="{909E8E84-426E-40DD-AFC4-6F175D3DCCD1}">
+                        <a14:hiddenFill xmlns:a14="http://schemas.microsoft.com/office/drawing/2010/main">
+                          <a:solidFill>
+                            <a:srgbClr val="FFFFFF"/>
+                          </a:solidFill>
+                        </a14:hiddenFill>
+                      </a:ext>
+                    </a:extLst>
+                  </p:spPr>
+                </p:pic>
+                <p:cxnSp>
+                  <p:nvCxnSpPr>
+                    <p:cNvPr id="57" name="Straight Arrow Connector 56">
+                      <a:extLst>
+                        <a:ext uri="{FF2B5EF4-FFF2-40B4-BE49-F238E27FC236}">
+                          <a16:creationId xmlns:a16="http://schemas.microsoft.com/office/drawing/2014/main" id="{60050071-60FE-410F-871C-A0472B4AFCDB}"/>
+                        </a:ext>
+                      </a:extLst>
+                    </p:cNvPr>
+                    <p:cNvCxnSpPr>
+                      <a:cxnSpLocks/>
+                      <a:stCxn id="1034" idx="1"/>
+                      <a:endCxn id="5" idx="3"/>
+                    </p:cNvCxnSpPr>
+                    <p:nvPr/>
+                  </p:nvCxnSpPr>
+                  <p:spPr>
+                    <a:xfrm flipH="1" flipV="1">
+                      <a:off x="6770597" y="4263866"/>
+                      <a:ext cx="707798" cy="138205"/>
+                    </a:xfrm>
+                    <a:prstGeom prst="straightConnector1">
+                      <a:avLst/>
+                    </a:prstGeom>
+                    <a:ln w="19050">
+                      <a:prstDash val="sysDash"/>
+                      <a:headEnd type="triangle"/>
+                      <a:tailEnd type="triangle"/>
+                    </a:ln>
+                    <a:effectLst/>
+                  </p:spPr>
+                  <p:style>
+                    <a:lnRef idx="2">
+                      <a:schemeClr val="accent6"/>
+                    </a:lnRef>
+                    <a:fillRef idx="0">
+                      <a:schemeClr val="accent6"/>
+                    </a:fillRef>
+                    <a:effectRef idx="1">
+                      <a:schemeClr val="accent6"/>
+                    </a:effectRef>
+                    <a:fontRef idx="minor">
+                      <a:schemeClr val="tx1"/>
+                    </a:fontRef>
+                  </p:style>
+                </p:cxnSp>
+                <p:cxnSp>
+                  <p:nvCxnSpPr>
+                    <p:cNvPr id="60" name="Straight Arrow Connector 59">
+                      <a:extLst>
+                        <a:ext uri="{FF2B5EF4-FFF2-40B4-BE49-F238E27FC236}">
+                          <a16:creationId xmlns:a16="http://schemas.microsoft.com/office/drawing/2014/main" id="{551BCB5A-2E08-4268-8F02-EE4183FBE7C0}"/>
+                        </a:ext>
+                      </a:extLst>
+                    </p:cNvPr>
+                    <p:cNvCxnSpPr>
+                      <a:cxnSpLocks/>
+                      <a:stCxn id="1032" idx="1"/>
+                      <a:endCxn id="5" idx="3"/>
+                    </p:cNvCxnSpPr>
+                    <p:nvPr/>
+                  </p:nvCxnSpPr>
+                  <p:spPr>
+                    <a:xfrm flipH="1">
+                      <a:off x="6770597" y="1634468"/>
+                      <a:ext cx="717957" cy="2629398"/>
+                    </a:xfrm>
+                    <a:prstGeom prst="straightConnector1">
+                      <a:avLst/>
+                    </a:prstGeom>
+                    <a:ln w="19050">
+                      <a:prstDash val="sysDash"/>
+                      <a:headEnd type="triangle"/>
+                      <a:tailEnd type="triangle"/>
+                    </a:ln>
+                    <a:effectLst/>
+                  </p:spPr>
+                  <p:style>
+                    <a:lnRef idx="2">
+                      <a:schemeClr val="accent6"/>
+                    </a:lnRef>
+                    <a:fillRef idx="0">
+                      <a:schemeClr val="accent6"/>
+                    </a:fillRef>
+                    <a:effectRef idx="1">
+                      <a:schemeClr val="accent6"/>
+                    </a:effectRef>
+                    <a:fontRef idx="minor">
+                      <a:schemeClr val="tx1"/>
+                    </a:fontRef>
+                  </p:style>
+                </p:cxnSp>
+                <p:cxnSp>
+                  <p:nvCxnSpPr>
+                    <p:cNvPr id="35" name="Straight Arrow Connector 34">
+                      <a:extLst>
+                        <a:ext uri="{FF2B5EF4-FFF2-40B4-BE49-F238E27FC236}">
+                          <a16:creationId xmlns:a16="http://schemas.microsoft.com/office/drawing/2014/main" id="{B89E348D-C36D-4D37-B309-A85145C68F8F}"/>
+                        </a:ext>
+                      </a:extLst>
+                    </p:cNvPr>
+                    <p:cNvCxnSpPr>
+                      <a:cxnSpLocks/>
+                      <a:stCxn id="1030" idx="1"/>
+                      <a:endCxn id="5" idx="3"/>
+                    </p:cNvCxnSpPr>
+                    <p:nvPr/>
+                  </p:nvCxnSpPr>
+                  <p:spPr>
+                    <a:xfrm flipH="1">
+                      <a:off x="6770597" y="3694570"/>
+                      <a:ext cx="685688" cy="569296"/>
+                    </a:xfrm>
+                    <a:prstGeom prst="straightConnector1">
+                      <a:avLst/>
+                    </a:prstGeom>
+                    <a:ln w="19050">
+                      <a:prstDash val="sysDash"/>
+                      <a:headEnd type="triangle"/>
+                      <a:tailEnd type="triangle"/>
+                    </a:ln>
+                    <a:effectLst/>
+                  </p:spPr>
+                  <p:style>
+                    <a:lnRef idx="2">
+                      <a:schemeClr val="accent6"/>
+                    </a:lnRef>
+                    <a:fillRef idx="0">
+                      <a:schemeClr val="accent6"/>
+                    </a:fillRef>
+                    <a:effectRef idx="1">
+                      <a:schemeClr val="accent6"/>
+                    </a:effectRef>
+                    <a:fontRef idx="minor">
+                      <a:schemeClr val="tx1"/>
+                    </a:fontRef>
+                  </p:style>
+                </p:cxnSp>
+                <p:cxnSp>
+                  <p:nvCxnSpPr>
+                    <p:cNvPr id="40" name="Straight Arrow Connector 39">
+                      <a:extLst>
+                        <a:ext uri="{FF2B5EF4-FFF2-40B4-BE49-F238E27FC236}">
+                          <a16:creationId xmlns:a16="http://schemas.microsoft.com/office/drawing/2014/main" id="{06DD781B-8038-4E84-B213-8E2573B189F9}"/>
+                        </a:ext>
+                      </a:extLst>
+                    </p:cNvPr>
+                    <p:cNvCxnSpPr>
+                      <a:cxnSpLocks/>
+                      <a:stCxn id="1041" idx="1"/>
+                      <a:endCxn id="5" idx="3"/>
+                    </p:cNvCxnSpPr>
+                    <p:nvPr/>
+                  </p:nvCxnSpPr>
+                  <p:spPr>
+                    <a:xfrm flipH="1">
+                      <a:off x="6770597" y="2307460"/>
+                      <a:ext cx="737007" cy="1956406"/>
+                    </a:xfrm>
+                    <a:prstGeom prst="straightConnector1">
+                      <a:avLst/>
+                    </a:prstGeom>
+                    <a:ln w="19050">
+                      <a:prstDash val="sysDash"/>
+                      <a:headEnd type="triangle"/>
+                      <a:tailEnd type="triangle"/>
+                    </a:ln>
+                    <a:effectLst/>
+                  </p:spPr>
+                  <p:style>
+                    <a:lnRef idx="2">
+                      <a:schemeClr val="accent6"/>
+                    </a:lnRef>
+                    <a:fillRef idx="0">
+                      <a:schemeClr val="accent6"/>
+                    </a:fillRef>
+                    <a:effectRef idx="1">
+                      <a:schemeClr val="accent6"/>
+                    </a:effectRef>
+                    <a:fontRef idx="minor">
+                      <a:schemeClr val="tx1"/>
+                    </a:fontRef>
+                  </p:style>
+                </p:cxnSp>
+                <p:pic>
+                  <p:nvPicPr>
+                    <p:cNvPr id="1041" name="Picture 16" descr="cctv, internet, iot, things, wifi icon">
+                      <a:extLst>
+                        <a:ext uri="{FF2B5EF4-FFF2-40B4-BE49-F238E27FC236}">
+                          <a16:creationId xmlns:a16="http://schemas.microsoft.com/office/drawing/2014/main" id="{81652023-7A48-44F6-A395-13C71581767E}"/>
+                        </a:ext>
+                      </a:extLst>
+                    </p:cNvPr>
+                    <p:cNvPicPr>
+                      <a:picLocks noChangeAspect="1" noChangeArrowheads="1"/>
+                    </p:cNvPicPr>
+                    <p:nvPr/>
+                  </p:nvPicPr>
+                  <p:blipFill>
+                    <a:blip r:embed="rId5">
+                      <a:duotone>
+                        <a:prstClr val="black"/>
+                        <a:schemeClr val="accent6">
+                          <a:tint val="45000"/>
+                          <a:satMod val="400000"/>
+                        </a:schemeClr>
+                      </a:duotone>
+                      <a:extLst>
+                        <a:ext uri="{28A0092B-C50C-407E-A947-70E740481C1C}">
+                          <a14:useLocalDpi xmlns:a14="http://schemas.microsoft.com/office/drawing/2010/main" val="0"/>
+                        </a:ext>
+                      </a:extLst>
+                    </a:blip>
+                    <a:srcRect/>
+                    <a:stretch>
+                      <a:fillRect/>
+                    </a:stretch>
+                  </p:blipFill>
+                  <p:spPr bwMode="auto">
+                    <a:xfrm>
+                      <a:off x="7507604" y="2078860"/>
+                      <a:ext cx="457200" cy="457200"/>
+                    </a:xfrm>
+                    <a:prstGeom prst="rect">
+                      <a:avLst/>
+                    </a:prstGeom>
+                    <a:noFill/>
+                    <a:extLst>
+                      <a:ext uri="{909E8E84-426E-40DD-AFC4-6F175D3DCCD1}">
+                        <a14:hiddenFill xmlns:a14="http://schemas.microsoft.com/office/drawing/2010/main">
+                          <a:solidFill>
+                            <a:srgbClr val="FFFFFF"/>
+                          </a:solidFill>
+                        </a14:hiddenFill>
+                      </a:ext>
+                    </a:extLst>
+                  </p:spPr>
+                </p:pic>
+                <p:pic>
+                  <p:nvPicPr>
+                    <p:cNvPr id="1045" name="Picture 18" descr="bulb, internet of things, iot, smart home, wifi, wireless icon">
+                      <a:extLst>
+                        <a:ext uri="{FF2B5EF4-FFF2-40B4-BE49-F238E27FC236}">
+                          <a16:creationId xmlns:a16="http://schemas.microsoft.com/office/drawing/2014/main" id="{8BBB4CD9-1FE3-4345-A610-013B47D62BB7}"/>
+                        </a:ext>
+                      </a:extLst>
+                    </p:cNvPr>
+                    <p:cNvPicPr>
+                      <a:picLocks noChangeAspect="1" noChangeArrowheads="1"/>
+                    </p:cNvPicPr>
+                    <p:nvPr/>
+                  </p:nvPicPr>
+                  <p:blipFill rotWithShape="1">
+                    <a:blip r:embed="rId6">
+                      <a:duotone>
+                        <a:prstClr val="black"/>
+                        <a:schemeClr val="accent6">
+                          <a:tint val="45000"/>
+                          <a:satMod val="400000"/>
+                        </a:schemeClr>
+                      </a:duotone>
+                      <a:extLst>
+                        <a:ext uri="{28A0092B-C50C-407E-A947-70E740481C1C}">
+                          <a14:useLocalDpi xmlns:a14="http://schemas.microsoft.com/office/drawing/2010/main" val="0"/>
+                        </a:ext>
+                      </a:extLst>
+                    </a:blip>
+                    <a:srcRect l="13792" t="13251" r="22077" b="11930"/>
+                    <a:stretch/>
+                  </p:blipFill>
+                  <p:spPr bwMode="auto">
+                    <a:xfrm>
+                      <a:off x="7544030" y="2682268"/>
+                      <a:ext cx="457200" cy="533401"/>
+                    </a:xfrm>
+                    <a:prstGeom prst="rect">
+                      <a:avLst/>
+                    </a:prstGeom>
+                    <a:noFill/>
+                    <a:extLst>
+                      <a:ext uri="{909E8E84-426E-40DD-AFC4-6F175D3DCCD1}">
+                        <a14:hiddenFill xmlns:a14="http://schemas.microsoft.com/office/drawing/2010/main">
+                          <a:solidFill>
+                            <a:srgbClr val="FFFFFF"/>
+                          </a:solidFill>
+                        </a14:hiddenFill>
+                      </a:ext>
+                    </a:extLst>
+                  </p:spPr>
+                </p:pic>
+                <p:cxnSp>
+                  <p:nvCxnSpPr>
+                    <p:cNvPr id="100" name="Straight Arrow Connector 99">
+                      <a:extLst>
+                        <a:ext uri="{FF2B5EF4-FFF2-40B4-BE49-F238E27FC236}">
+                          <a16:creationId xmlns:a16="http://schemas.microsoft.com/office/drawing/2014/main" id="{042DD949-4442-4C55-9B2B-CFDE6E655BD9}"/>
+                        </a:ext>
+                      </a:extLst>
+                    </p:cNvPr>
+                    <p:cNvCxnSpPr>
+                      <a:cxnSpLocks/>
+                      <a:stCxn id="6" idx="1"/>
+                      <a:endCxn id="22" idx="3"/>
+                    </p:cNvCxnSpPr>
+                    <p:nvPr/>
+                  </p:nvCxnSpPr>
+                  <p:spPr>
+                    <a:xfrm flipH="1" flipV="1">
+                      <a:off x="2947075" y="2807017"/>
+                      <a:ext cx="993619" cy="1"/>
+                    </a:xfrm>
+                    <a:prstGeom prst="straightConnector1">
+                      <a:avLst/>
+                    </a:prstGeom>
+                    <a:ln>
+                      <a:prstDash val="sysDash"/>
+                      <a:headEnd type="triangle"/>
+                      <a:tailEnd type="triangle"/>
+                    </a:ln>
+                  </p:spPr>
+                  <p:style>
+                    <a:lnRef idx="2">
+                      <a:schemeClr val="dk1"/>
+                    </a:lnRef>
+                    <a:fillRef idx="0">
+                      <a:schemeClr val="dk1"/>
+                    </a:fillRef>
+                    <a:effectRef idx="1">
+                      <a:schemeClr val="dk1"/>
+                    </a:effectRef>
+                    <a:fontRef idx="minor">
+                      <a:schemeClr val="tx1"/>
+                    </a:fontRef>
+                  </p:style>
+                </p:cxnSp>
+              </p:grpSp>
+              <p:sp>
+                <p:nvSpPr>
+                  <p:cNvPr id="109" name="Text Box 2">
+                    <a:extLst>
+                      <a:ext uri="{FF2B5EF4-FFF2-40B4-BE49-F238E27FC236}">
+                        <a16:creationId xmlns:a16="http://schemas.microsoft.com/office/drawing/2014/main" id="{8939B450-D7D3-4D1D-93A7-3E41203C800D}"/>
+                      </a:ext>
+                    </a:extLst>
+                  </p:cNvPr>
+                  <p:cNvSpPr txBox="1">
+                    <a:spLocks noChangeArrowheads="1"/>
+                  </p:cNvSpPr>
+                  <p:nvPr/>
+                </p:nvSpPr>
+                <p:spPr bwMode="auto">
+                  <a:xfrm>
+                    <a:off x="4819650" y="4998114"/>
+                    <a:ext cx="2552700" cy="368152"/>
+                  </a:xfrm>
+                  <a:prstGeom prst="rect">
+                    <a:avLst/>
+                  </a:prstGeom>
+                  <a:noFill/>
+                  <a:ln>
+                    <a:noFill/>
+                  </a:ln>
+                </p:spPr>
+                <p:style>
+                  <a:lnRef idx="0">
+                    <a:scrgbClr r="0" g="0" b="0"/>
+                  </a:lnRef>
+                  <a:fillRef idx="0">
+                    <a:scrgbClr r="0" g="0" b="0"/>
+                  </a:fillRef>
+                  <a:effectRef idx="0">
+                    <a:scrgbClr r="0" g="0" b="0"/>
+                  </a:effectRef>
+                  <a:fontRef idx="minor">
+                    <a:schemeClr val="dk1"/>
+                  </a:fontRef>
+                </p:style>
+                <p:txBody>
+                  <a:bodyPr rot="0" vert="horz" wrap="square" lIns="91440" tIns="45720" rIns="91440" bIns="45720" anchor="t" anchorCtr="0">
+                    <a:noAutofit/>
+                  </a:bodyPr>
+                  <a:lstStyle/>
+                  <a:p>
+                    <a:pPr marL="0" marR="0" algn="ctr">
+                      <a:lnSpc>
+                        <a:spcPct val="107000"/>
+                      </a:lnSpc>
+                      <a:spcBef>
+                        <a:spcPts val="0"/>
+                      </a:spcBef>
+                      <a:spcAft>
+                        <a:spcPts val="800"/>
+                      </a:spcAft>
+                    </a:pPr>
+                    <a:r>
+                      <a:rPr lang="en-US" b="1" dirty="0">
+                        <a:solidFill>
+                          <a:schemeClr val="tx1"/>
+                        </a:solidFill>
+                        <a:effectLst/>
+                        <a:latin typeface="Consolas" panose="020B0609020204030204" pitchFamily="49" charset="0"/>
+                        <a:ea typeface="Calibri" panose="020F0502020204030204" pitchFamily="34" charset="0"/>
+                        <a:cs typeface="Vrinda" panose="020B0502040204020203" pitchFamily="34" charset="0"/>
+                      </a:rPr>
+                      <a:t>HOST-DEVICE</a:t>
+                    </a:r>
+                    <a:endParaRPr lang="en-US" sz="1000" dirty="0">
+                      <a:solidFill>
+                        <a:schemeClr val="tx1"/>
+                      </a:solidFill>
+                      <a:effectLst/>
+                      <a:ea typeface="Calibri" panose="020F0502020204030204" pitchFamily="34" charset="0"/>
+                      <a:cs typeface="Vrinda" panose="020B0502040204020203" pitchFamily="34" charset="0"/>
+                    </a:endParaRPr>
+                  </a:p>
+                </p:txBody>
+              </p:sp>
+              <p:sp>
+                <p:nvSpPr>
+                  <p:cNvPr id="111" name="Text Box 2">
+                    <a:extLst>
+                      <a:ext uri="{FF2B5EF4-FFF2-40B4-BE49-F238E27FC236}">
+                        <a16:creationId xmlns:a16="http://schemas.microsoft.com/office/drawing/2014/main" id="{A6335ADD-2E42-4A61-8950-8725D8C36B22}"/>
+                      </a:ext>
+                    </a:extLst>
+                  </p:cNvPr>
+                  <p:cNvSpPr txBox="1">
+                    <a:spLocks noChangeArrowheads="1"/>
+                  </p:cNvSpPr>
+                  <p:nvPr/>
+                </p:nvSpPr>
+                <p:spPr bwMode="auto">
+                  <a:xfrm>
+                    <a:off x="1951673" y="3187718"/>
+                    <a:ext cx="1184908" cy="368152"/>
+                  </a:xfrm>
+                  <a:prstGeom prst="rect">
+                    <a:avLst/>
+                  </a:prstGeom>
+                  <a:noFill/>
+                  <a:ln>
+                    <a:noFill/>
+                  </a:ln>
+                </p:spPr>
+                <p:style>
+                  <a:lnRef idx="0">
+                    <a:scrgbClr r="0" g="0" b="0"/>
+                  </a:lnRef>
+                  <a:fillRef idx="0">
+                    <a:scrgbClr r="0" g="0" b="0"/>
+                  </a:fillRef>
+                  <a:effectRef idx="0">
+                    <a:scrgbClr r="0" g="0" b="0"/>
+                  </a:effectRef>
+                  <a:fontRef idx="minor">
+                    <a:schemeClr val="dk1"/>
+                  </a:fontRef>
+                </p:style>
+                <p:txBody>
+                  <a:bodyPr rot="0" vert="horz" wrap="square" lIns="91440" tIns="45720" rIns="91440" bIns="45720" anchor="t" anchorCtr="0">
+                    <a:noAutofit/>
+                  </a:bodyPr>
+                  <a:lstStyle/>
+                  <a:p>
+                    <a:pPr marL="0" marR="0" algn="ctr">
+                      <a:lnSpc>
+                        <a:spcPct val="107000"/>
+                      </a:lnSpc>
+                      <a:spcBef>
+                        <a:spcPts val="0"/>
+                      </a:spcBef>
+                      <a:spcAft>
+                        <a:spcPts val="800"/>
+                      </a:spcAft>
+                    </a:pPr>
+                    <a:r>
+                      <a:rPr lang="en-US" sz="1200" b="1" dirty="0">
+                        <a:solidFill>
+                          <a:schemeClr val="tx1"/>
+                        </a:solidFill>
+                        <a:effectLst/>
+                        <a:latin typeface="Consolas" panose="020B0609020204030204" pitchFamily="49" charset="0"/>
+                        <a:ea typeface="Calibri" panose="020F0502020204030204" pitchFamily="34" charset="0"/>
+                        <a:cs typeface="Vrinda" panose="020B0502040204020203" pitchFamily="34" charset="0"/>
+                      </a:rPr>
+                      <a:t>USER-AGENT</a:t>
+                    </a:r>
+                    <a:endParaRPr lang="en-US" sz="800" dirty="0">
+                      <a:solidFill>
+                        <a:schemeClr val="tx1"/>
+                      </a:solidFill>
+                      <a:effectLst/>
+                      <a:ea typeface="Calibri" panose="020F0502020204030204" pitchFamily="34" charset="0"/>
+                      <a:cs typeface="Vrinda" panose="020B0502040204020203" pitchFamily="34" charset="0"/>
+                    </a:endParaRPr>
+                  </a:p>
+                </p:txBody>
+              </p:sp>
+            </p:grpSp>
+            <p:cxnSp>
+              <p:nvCxnSpPr>
+                <p:cNvPr id="113" name="Straight Arrow Connector 112">
+                  <a:extLst>
+                    <a:ext uri="{FF2B5EF4-FFF2-40B4-BE49-F238E27FC236}">
+                      <a16:creationId xmlns:a16="http://schemas.microsoft.com/office/drawing/2014/main" id="{E5C9FF25-7B4E-4E77-A1E5-D8C89F97B5DD}"/>
+                    </a:ext>
+                  </a:extLst>
+                </p:cNvPr>
+                <p:cNvCxnSpPr>
+                  <a:cxnSpLocks/>
+                  <a:stCxn id="6" idx="2"/>
+                  <a:endCxn id="5" idx="0"/>
+                </p:cNvCxnSpPr>
+                <p:nvPr/>
+              </p:nvCxnSpPr>
+              <p:spPr>
+                <a:xfrm>
+                  <a:off x="5365171" y="3698240"/>
+                  <a:ext cx="0" cy="284479"/>
+                </a:xfrm>
+                <a:prstGeom prst="straightConnector1">
+                  <a:avLst/>
+                </a:prstGeom>
+                <a:ln>
+                  <a:solidFill>
+                    <a:schemeClr val="bg1"/>
+                  </a:solidFill>
+                  <a:headEnd type="triangle"/>
+                  <a:tailEnd type="triangle"/>
+                </a:ln>
+              </p:spPr>
+              <p:style>
+                <a:lnRef idx="2">
+                  <a:schemeClr val="accent3"/>
+                </a:lnRef>
+                <a:fillRef idx="0">
+                  <a:schemeClr val="accent3"/>
+                </a:fillRef>
+                <a:effectRef idx="1">
+                  <a:schemeClr val="accent3"/>
+                </a:effectRef>
+                <a:fontRef idx="minor">
+                  <a:schemeClr val="tx1"/>
+                </a:fontRef>
+              </p:style>
+            </p:cxnSp>
+          </p:grpSp>
+        </p:grpSp>
+        <p:pic>
+          <p:nvPicPr>
+            <p:cNvPr id="22" name="Picture 21">
+              <a:extLst>
+                <a:ext uri="{FF2B5EF4-FFF2-40B4-BE49-F238E27FC236}">
+                  <a16:creationId xmlns:a16="http://schemas.microsoft.com/office/drawing/2014/main" id="{D0DFE45E-FDDF-4F87-A39C-07223D3AC8F5}"/>
+                </a:ext>
+              </a:extLst>
+            </p:cNvPr>
+            <p:cNvPicPr>
+              <a:picLocks noChangeAspect="1"/>
+            </p:cNvPicPr>
+            <p:nvPr/>
+          </p:nvPicPr>
+          <p:blipFill>
+            <a:blip r:embed="rId7"/>
+            <a:stretch>
+              <a:fillRect/>
+            </a:stretch>
+          </p:blipFill>
+          <p:spPr>
+            <a:xfrm>
+              <a:off x="2099473" y="2378453"/>
+              <a:ext cx="857127" cy="857127"/>
+            </a:xfrm>
+            <a:prstGeom prst="rect">
+              <a:avLst/>
+            </a:prstGeom>
+          </p:spPr>
+        </p:pic>
+      </p:grpSp>
+    </p:spTree>
+    <p:extLst>
+      <p:ext uri="{BB962C8B-B14F-4D97-AF65-F5344CB8AC3E}">
+        <p14:creationId xmlns:p14="http://schemas.microsoft.com/office/powerpoint/2010/main" val="3685855454"/>
+      </p:ext>
+    </p:extLst>
+  </p:cSld>
+  <p:clrMapOvr>
+    <a:masterClrMapping/>
+  </p:clrMapOvr>
+</p:sld>
+</file>
+
+<file path=ppt/slides/slide32.xml><?xml version="1.0" encoding="utf-8"?>
+<p:sld xmlns:a="http://schemas.openxmlformats.org/drawingml/2006/main" xmlns:r="http://schemas.openxmlformats.org/officeDocument/2006/relationships" xmlns:p="http://schemas.openxmlformats.org/presentationml/2006/main">
+  <p:cSld>
+    <p:spTree>
+      <p:nvGrpSpPr>
+        <p:cNvPr id="1" name=""/>
+        <p:cNvGrpSpPr/>
+        <p:nvPr/>
+      </p:nvGrpSpPr>
+      <p:grpSpPr>
+        <a:xfrm>
+          <a:off x="0" y="0"/>
+          <a:ext cx="0" cy="0"/>
+          <a:chOff x="0" y="0"/>
+          <a:chExt cx="0" cy="0"/>
+        </a:xfrm>
+      </p:grpSpPr>
       <p:sp>
         <p:nvSpPr>
           <p:cNvPr id="2" name="Title 1">
@@ -27993,7 +29588,7 @@
 </p:sld>
 </file>
 
-<file path=ppt/slides/slide32.xml><?xml version="1.0" encoding="utf-8"?>
+<file path=ppt/slides/slide33.xml><?xml version="1.0" encoding="utf-8"?>
 <p:sld xmlns:a="http://schemas.openxmlformats.org/drawingml/2006/main" xmlns:r="http://schemas.openxmlformats.org/officeDocument/2006/relationships" xmlns:p="http://schemas.openxmlformats.org/presentationml/2006/main">
   <p:cSld>
     <p:spTree>
@@ -28281,7 +29876,7 @@
 </p:sld>
 </file>
 
-<file path=ppt/slides/slide33.xml><?xml version="1.0" encoding="utf-8"?>
+<file path=ppt/slides/slide34.xml><?xml version="1.0" encoding="utf-8"?>
 <p:sld xmlns:a="http://schemas.openxmlformats.org/drawingml/2006/main" xmlns:r="http://schemas.openxmlformats.org/officeDocument/2006/relationships" xmlns:p="http://schemas.openxmlformats.org/presentationml/2006/main">
   <p:cSld>
     <p:bg>
@@ -28495,7 +30090,7 @@
 </p:sld>
 </file>
 
-<file path=ppt/slides/slide34.xml><?xml version="1.0" encoding="utf-8"?>
+<file path=ppt/slides/slide35.xml><?xml version="1.0" encoding="utf-8"?>
 <p:sld xmlns:a="http://schemas.openxmlformats.org/drawingml/2006/main" xmlns:r="http://schemas.openxmlformats.org/officeDocument/2006/relationships" xmlns:p="http://schemas.openxmlformats.org/presentationml/2006/main">
   <p:cSld>
     <p:spTree>
@@ -28770,7 +30365,7 @@
 </p:sld>
 </file>
 
-<file path=ppt/slides/slide35.xml><?xml version="1.0" encoding="utf-8"?>
+<file path=ppt/slides/slide36.xml><?xml version="1.0" encoding="utf-8"?>
 <p:sld xmlns:a="http://schemas.openxmlformats.org/drawingml/2006/main" xmlns:r="http://schemas.openxmlformats.org/officeDocument/2006/relationships" xmlns:p="http://schemas.openxmlformats.org/presentationml/2006/main">
   <p:cSld>
     <p:bg>

--- a/Presentations/Group-112_SoLiD-in-WoT_Final-Presentation.pptx
+++ b/Presentations/Group-112_SoLiD-in-WoT_Final-Presentation.pptx
@@ -384,7 +384,7 @@
           <a:p>
             <a:fld id="{F4DB77AE-34C1-4332-8366-7B383B8F8D36}" type="datetimeFigureOut">
               <a:rPr lang="en-US" smtClean="0"/>
-              <a:t>6/27/2019</a:t>
+              <a:t>6/28/2019</a:t>
             </a:fld>
             <a:endParaRPr lang="en-US"/>
           </a:p>
@@ -28121,8 +28121,8 @@
                   </p:nvSpPr>
                   <p:spPr>
                     <a:xfrm>
-                      <a:off x="4836160" y="2453481"/>
-                      <a:ext cx="1827646" cy="310515"/>
+                      <a:off x="4710485" y="2613341"/>
+                      <a:ext cx="1827646" cy="582930"/>
                     </a:xfrm>
                     <a:prstGeom prst="foldedCorner">
                       <a:avLst/>
@@ -28152,7 +28152,7 @@
                     </a:bodyPr>
                     <a:lstStyle/>
                     <a:p>
-                      <a:pPr marL="0" marR="0">
+                      <a:pPr marL="0" marR="0" algn="ctr">
                         <a:lnSpc>
                           <a:spcPct val="107000"/>
                         </a:lnSpc>
@@ -28173,154 +28173,6 @@
                         <a:t>device.ttl</a:t>
                       </a:r>
                       <a:endParaRPr lang="en-US" sz="1050" dirty="0">
-                        <a:effectLst/>
-                        <a:latin typeface="Consolas" panose="020B0609020204030204" pitchFamily="49" charset="0"/>
-                        <a:ea typeface="Calibri" panose="020F0502020204030204" pitchFamily="34" charset="0"/>
-                        <a:cs typeface="Vrinda" panose="020B0502040204020203" pitchFamily="34" charset="0"/>
-                      </a:endParaRPr>
-                    </a:p>
-                  </p:txBody>
-                </p:sp>
-                <p:sp>
-                  <p:nvSpPr>
-                    <p:cNvPr id="8" name="Rectangle: Folded Corner 7">
-                      <a:extLst>
-                        <a:ext uri="{FF2B5EF4-FFF2-40B4-BE49-F238E27FC236}">
-                          <a16:creationId xmlns:a16="http://schemas.microsoft.com/office/drawing/2014/main" id="{4C46BA01-90C0-4131-97D2-4BABA55FD2DB}"/>
-                        </a:ext>
-                      </a:extLst>
-                    </p:cNvPr>
-                    <p:cNvSpPr/>
-                    <p:nvPr/>
-                  </p:nvSpPr>
-                  <p:spPr>
-                    <a:xfrm>
-                      <a:off x="4835007" y="2837338"/>
-                      <a:ext cx="1828799" cy="310515"/>
-                    </a:xfrm>
-                    <a:prstGeom prst="foldedCorner">
-                      <a:avLst/>
-                    </a:prstGeom>
-                    <a:ln w="12700"/>
-                  </p:spPr>
-                  <p:style>
-                    <a:lnRef idx="2">
-                      <a:schemeClr val="dk1"/>
-                    </a:lnRef>
-                    <a:fillRef idx="1">
-                      <a:schemeClr val="lt1"/>
-                    </a:fillRef>
-                    <a:effectRef idx="0">
-                      <a:schemeClr val="dk1"/>
-                    </a:effectRef>
-                    <a:fontRef idx="minor">
-                      <a:schemeClr val="dk1"/>
-                    </a:fontRef>
-                  </p:style>
-                  <p:txBody>
-                    <a:bodyPr rot="0" spcFirstLastPara="0" vert="horz" wrap="square" lIns="91440" tIns="45720" rIns="91440" bIns="45720" numCol="1" spcCol="0" rtlCol="0" fromWordArt="0" anchor="ctr" anchorCtr="0" forceAA="0" compatLnSpc="1">
-                      <a:prstTxWarp prst="textNoShape">
-                        <a:avLst/>
-                      </a:prstTxWarp>
-                      <a:noAutofit/>
-                    </a:bodyPr>
-                    <a:lstStyle/>
-                    <a:p>
-                      <a:pPr marL="0" marR="0">
-                        <a:lnSpc>
-                          <a:spcPct val="107000"/>
-                        </a:lnSpc>
-                        <a:spcBef>
-                          <a:spcPts val="0"/>
-                        </a:spcBef>
-                        <a:spcAft>
-                          <a:spcPts val="800"/>
-                        </a:spcAft>
-                      </a:pPr>
-                      <a:r>
-                        <a:rPr lang="de-DE" sz="1200" b="1" dirty="0" err="1">
-                          <a:effectLst/>
-                          <a:latin typeface="Consolas" panose="020B0609020204030204" pitchFamily="49" charset="0"/>
-                          <a:ea typeface="Calibri" panose="020F0502020204030204" pitchFamily="34" charset="0"/>
-                          <a:cs typeface="Vrinda" panose="020B0502040204020203" pitchFamily="34" charset="0"/>
-                        </a:rPr>
-                        <a:t>device-data.ttl</a:t>
-                      </a:r>
-                      <a:endParaRPr lang="en-US" sz="1050" dirty="0">
-                        <a:effectLst/>
-                        <a:latin typeface="Consolas" panose="020B0609020204030204" pitchFamily="49" charset="0"/>
-                        <a:ea typeface="Calibri" panose="020F0502020204030204" pitchFamily="34" charset="0"/>
-                        <a:cs typeface="Vrinda" panose="020B0502040204020203" pitchFamily="34" charset="0"/>
-                      </a:endParaRPr>
-                    </a:p>
-                  </p:txBody>
-                </p:sp>
-                <p:sp>
-                  <p:nvSpPr>
-                    <p:cNvPr id="9" name="Rectangle: Folded Corner 8">
-                      <a:extLst>
-                        <a:ext uri="{FF2B5EF4-FFF2-40B4-BE49-F238E27FC236}">
-                          <a16:creationId xmlns:a16="http://schemas.microsoft.com/office/drawing/2014/main" id="{8F11CD37-AB1A-4290-BD95-15CE4D12837E}"/>
-                        </a:ext>
-                      </a:extLst>
-                    </p:cNvPr>
-                    <p:cNvSpPr/>
-                    <p:nvPr/>
-                  </p:nvSpPr>
-                  <p:spPr>
-                    <a:xfrm>
-                      <a:off x="4836160" y="3215669"/>
-                      <a:ext cx="1828800" cy="310515"/>
-                    </a:xfrm>
-                    <a:prstGeom prst="foldedCorner">
-                      <a:avLst/>
-                    </a:prstGeom>
-                    <a:ln w="12700"/>
-                  </p:spPr>
-                  <p:style>
-                    <a:lnRef idx="2">
-                      <a:schemeClr val="dk1"/>
-                    </a:lnRef>
-                    <a:fillRef idx="1">
-                      <a:schemeClr val="lt1"/>
-                    </a:fillRef>
-                    <a:effectRef idx="0">
-                      <a:schemeClr val="dk1"/>
-                    </a:effectRef>
-                    <a:fontRef idx="minor">
-                      <a:schemeClr val="dk1"/>
-                    </a:fontRef>
-                  </p:style>
-                  <p:txBody>
-                    <a:bodyPr rot="0" spcFirstLastPara="0" vert="horz" wrap="square" lIns="91440" tIns="45720" rIns="91440" bIns="45720" numCol="1" spcCol="0" rtlCol="0" fromWordArt="0" anchor="ctr" anchorCtr="0" forceAA="0" compatLnSpc="1">
-                      <a:prstTxWarp prst="textNoShape">
-                        <a:avLst/>
-                      </a:prstTxWarp>
-                      <a:noAutofit/>
-                    </a:bodyPr>
-                    <a:lstStyle/>
-                    <a:p>
-                      <a:pPr marL="0" marR="0">
-                        <a:lnSpc>
-                          <a:spcPct val="107000"/>
-                        </a:lnSpc>
-                        <a:spcBef>
-                          <a:spcPts val="0"/>
-                        </a:spcBef>
-                        <a:spcAft>
-                          <a:spcPts val="800"/>
-                        </a:spcAft>
-                      </a:pPr>
-                      <a:r>
-                        <a:rPr lang="de-DE" sz="1200" b="1" dirty="0" err="1">
-                          <a:effectLst/>
-                          <a:latin typeface="Consolas" panose="020B0609020204030204" pitchFamily="49" charset="0"/>
-                          <a:ea typeface="Calibri" panose="020F0502020204030204" pitchFamily="34" charset="0"/>
-                          <a:cs typeface="Vrinda" panose="020B0502040204020203" pitchFamily="34" charset="0"/>
-                        </a:rPr>
-                        <a:t>device-control.ttl</a:t>
-                      </a:r>
-                      <a:endParaRPr lang="en-US" sz="1200" b="1" dirty="0">
                         <a:effectLst/>
                         <a:latin typeface="Consolas" panose="020B0609020204030204" pitchFamily="49" charset="0"/>
                         <a:ea typeface="Calibri" panose="020F0502020204030204" pitchFamily="34" charset="0"/>
@@ -29672,12 +29524,8 @@
           <a:lstStyle/>
           <a:p>
             <a:r>
-              <a:rPr lang="de-DE" sz="2400" dirty="0" err="1"/>
-              <a:t>Understand</a:t>
-            </a:r>
-            <a:r>
               <a:rPr lang="de-DE" sz="2400" dirty="0"/>
-              <a:t> </a:t>
+              <a:t>Understand </a:t>
             </a:r>
             <a:r>
               <a:rPr lang="de-DE" sz="2400" dirty="0" err="1"/>
